--- a/Offline/AnodiamOfflineIdea.pptx
+++ b/Offline/AnodiamOfflineIdea.pptx
@@ -249,7 +249,7 @@
           <a:p>
             <a:fld id="{6C99A312-3916-48C2-B0D2-2FD7FE9477F2}" type="datetimeFigureOut">
               <a:rPr lang="en-AU" smtClean="0"/>
-              <a:t>21/03/2023</a:t>
+              <a:t>22/03/2023</a:t>
             </a:fld>
             <a:endParaRPr lang="en-AU"/>
           </a:p>
@@ -419,7 +419,7 @@
           <a:p>
             <a:fld id="{6C99A312-3916-48C2-B0D2-2FD7FE9477F2}" type="datetimeFigureOut">
               <a:rPr lang="en-AU" smtClean="0"/>
-              <a:t>21/03/2023</a:t>
+              <a:t>22/03/2023</a:t>
             </a:fld>
             <a:endParaRPr lang="en-AU"/>
           </a:p>
@@ -599,7 +599,7 @@
           <a:p>
             <a:fld id="{6C99A312-3916-48C2-B0D2-2FD7FE9477F2}" type="datetimeFigureOut">
               <a:rPr lang="en-AU" smtClean="0"/>
-              <a:t>21/03/2023</a:t>
+              <a:t>22/03/2023</a:t>
             </a:fld>
             <a:endParaRPr lang="en-AU"/>
           </a:p>
@@ -769,7 +769,7 @@
           <a:p>
             <a:fld id="{6C99A312-3916-48C2-B0D2-2FD7FE9477F2}" type="datetimeFigureOut">
               <a:rPr lang="en-AU" smtClean="0"/>
-              <a:t>21/03/2023</a:t>
+              <a:t>22/03/2023</a:t>
             </a:fld>
             <a:endParaRPr lang="en-AU"/>
           </a:p>
@@ -1015,7 +1015,7 @@
           <a:p>
             <a:fld id="{6C99A312-3916-48C2-B0D2-2FD7FE9477F2}" type="datetimeFigureOut">
               <a:rPr lang="en-AU" smtClean="0"/>
-              <a:t>21/03/2023</a:t>
+              <a:t>22/03/2023</a:t>
             </a:fld>
             <a:endParaRPr lang="en-AU"/>
           </a:p>
@@ -1247,7 +1247,7 @@
           <a:p>
             <a:fld id="{6C99A312-3916-48C2-B0D2-2FD7FE9477F2}" type="datetimeFigureOut">
               <a:rPr lang="en-AU" smtClean="0"/>
-              <a:t>21/03/2023</a:t>
+              <a:t>22/03/2023</a:t>
             </a:fld>
             <a:endParaRPr lang="en-AU"/>
           </a:p>
@@ -1614,7 +1614,7 @@
           <a:p>
             <a:fld id="{6C99A312-3916-48C2-B0D2-2FD7FE9477F2}" type="datetimeFigureOut">
               <a:rPr lang="en-AU" smtClean="0"/>
-              <a:t>21/03/2023</a:t>
+              <a:t>22/03/2023</a:t>
             </a:fld>
             <a:endParaRPr lang="en-AU"/>
           </a:p>
@@ -1732,7 +1732,7 @@
           <a:p>
             <a:fld id="{6C99A312-3916-48C2-B0D2-2FD7FE9477F2}" type="datetimeFigureOut">
               <a:rPr lang="en-AU" smtClean="0"/>
-              <a:t>21/03/2023</a:t>
+              <a:t>22/03/2023</a:t>
             </a:fld>
             <a:endParaRPr lang="en-AU"/>
           </a:p>
@@ -1827,7 +1827,7 @@
           <a:p>
             <a:fld id="{6C99A312-3916-48C2-B0D2-2FD7FE9477F2}" type="datetimeFigureOut">
               <a:rPr lang="en-AU" smtClean="0"/>
-              <a:t>21/03/2023</a:t>
+              <a:t>22/03/2023</a:t>
             </a:fld>
             <a:endParaRPr lang="en-AU"/>
           </a:p>
@@ -2104,7 +2104,7 @@
           <a:p>
             <a:fld id="{6C99A312-3916-48C2-B0D2-2FD7FE9477F2}" type="datetimeFigureOut">
               <a:rPr lang="en-AU" smtClean="0"/>
-              <a:t>21/03/2023</a:t>
+              <a:t>22/03/2023</a:t>
             </a:fld>
             <a:endParaRPr lang="en-AU"/>
           </a:p>
@@ -2357,7 +2357,7 @@
           <a:p>
             <a:fld id="{6C99A312-3916-48C2-B0D2-2FD7FE9477F2}" type="datetimeFigureOut">
               <a:rPr lang="en-AU" smtClean="0"/>
-              <a:t>21/03/2023</a:t>
+              <a:t>22/03/2023</a:t>
             </a:fld>
             <a:endParaRPr lang="en-AU"/>
           </a:p>
@@ -2570,7 +2570,7 @@
           <a:p>
             <a:fld id="{6C99A312-3916-48C2-B0D2-2FD7FE9477F2}" type="datetimeFigureOut">
               <a:rPr lang="en-AU" smtClean="0"/>
-              <a:t>21/03/2023</a:t>
+              <a:t>22/03/2023</a:t>
             </a:fld>
             <a:endParaRPr lang="en-AU"/>
           </a:p>
@@ -5751,7 +5751,16 @@
                 </a:solidFill>
                 <a:latin typeface="Oxygen" panose="02000503000000000000" pitchFamily="2" charset="0"/>
               </a:rPr>
-              <a:t>&gt;&gt;</a:t>
+              <a:t>&gt;&gt;      </a:t>
+            </a:r>
+            <a:r>
+              <a:rPr lang="en-US" sz="800" b="1" dirty="0">
+                <a:solidFill>
+                  <a:srgbClr val="FF8C52"/>
+                </a:solidFill>
+                <a:latin typeface="Oxygen" panose="02000503000000000000" pitchFamily="2" charset="0"/>
+              </a:rPr>
+              <a:t>PRACTICE        </a:t>
             </a:r>
             <a:r>
               <a:rPr lang="en-US" sz="800" b="1" dirty="0" smtClean="0">
@@ -5760,34 +5769,7 @@
                 </a:solidFill>
                 <a:latin typeface="Oxygen" panose="02000503000000000000" pitchFamily="2" charset="0"/>
               </a:rPr>
-              <a:t>      </a:t>
-            </a:r>
-            <a:r>
-              <a:rPr lang="en-US" sz="800" b="1" dirty="0">
-                <a:solidFill>
-                  <a:srgbClr val="FF8C52"/>
-                </a:solidFill>
-                <a:latin typeface="Oxygen" panose="02000503000000000000" pitchFamily="2" charset="0"/>
-              </a:rPr>
-              <a:t>PRACTICE        </a:t>
-            </a:r>
-            <a:r>
-              <a:rPr lang="en-US" sz="800" b="1" dirty="0" smtClean="0">
-                <a:solidFill>
-                  <a:srgbClr val="FF8C52"/>
-                </a:solidFill>
-                <a:latin typeface="Oxygen" panose="02000503000000000000" pitchFamily="2" charset="0"/>
-              </a:rPr>
-              <a:t>&gt;&gt;</a:t>
-            </a:r>
-            <a:r>
-              <a:rPr lang="en-US" sz="800" b="1" dirty="0" smtClean="0">
-                <a:solidFill>
-                  <a:srgbClr val="FF8C52"/>
-                </a:solidFill>
-                <a:latin typeface="Oxygen" panose="02000503000000000000" pitchFamily="2" charset="0"/>
-              </a:rPr>
-              <a:t>        </a:t>
+              <a:t>&gt;&gt;        </a:t>
             </a:r>
             <a:r>
               <a:rPr lang="en-US" sz="800" b="1" dirty="0">
@@ -7601,7 +7583,16 @@
                 </a:solidFill>
                 <a:latin typeface="Oxygen" panose="02000503000000000000" pitchFamily="2" charset="0"/>
               </a:rPr>
-              <a:t>&gt;&gt;</a:t>
+              <a:t>&gt;&gt;      </a:t>
+            </a:r>
+            <a:r>
+              <a:rPr lang="en-US" sz="800" b="1" dirty="0">
+                <a:solidFill>
+                  <a:srgbClr val="FF8C52"/>
+                </a:solidFill>
+                <a:latin typeface="Oxygen" panose="02000503000000000000" pitchFamily="2" charset="0"/>
+              </a:rPr>
+              <a:t>PRACTICE        </a:t>
             </a:r>
             <a:r>
               <a:rPr lang="en-US" sz="800" b="1" dirty="0" smtClean="0">
@@ -7610,7 +7601,7 @@
                 </a:solidFill>
                 <a:latin typeface="Oxygen" panose="02000503000000000000" pitchFamily="2" charset="0"/>
               </a:rPr>
-              <a:t>      </a:t>
+              <a:t>&gt;&gt;        </a:t>
             </a:r>
             <a:r>
               <a:rPr lang="en-US" sz="800" b="1" dirty="0">
@@ -7619,7 +7610,7 @@
                 </a:solidFill>
                 <a:latin typeface="Oxygen" panose="02000503000000000000" pitchFamily="2" charset="0"/>
               </a:rPr>
-              <a:t>PRACTICE        </a:t>
+              <a:t>CONFIDENCE      </a:t>
             </a:r>
             <a:r>
               <a:rPr lang="en-US" sz="800" b="1" dirty="0" smtClean="0">
@@ -7628,43 +7619,7 @@
                 </a:solidFill>
                 <a:latin typeface="Oxygen" panose="02000503000000000000" pitchFamily="2" charset="0"/>
               </a:rPr>
-              <a:t>&gt;&gt;</a:t>
-            </a:r>
-            <a:r>
-              <a:rPr lang="en-US" sz="800" b="1" dirty="0" smtClean="0">
-                <a:solidFill>
-                  <a:srgbClr val="FF8C52"/>
-                </a:solidFill>
-                <a:latin typeface="Oxygen" panose="02000503000000000000" pitchFamily="2" charset="0"/>
-              </a:rPr>
-              <a:t>        </a:t>
-            </a:r>
-            <a:r>
-              <a:rPr lang="en-US" sz="800" b="1" dirty="0">
-                <a:solidFill>
-                  <a:srgbClr val="FF8C52"/>
-                </a:solidFill>
-                <a:latin typeface="Oxygen" panose="02000503000000000000" pitchFamily="2" charset="0"/>
-              </a:rPr>
-              <a:t>CONFIDENCE      </a:t>
-            </a:r>
-            <a:r>
-              <a:rPr lang="en-US" sz="800" b="1" dirty="0" smtClean="0">
-                <a:solidFill>
-                  <a:srgbClr val="FF8C52"/>
-                </a:solidFill>
-                <a:latin typeface="Oxygen" panose="02000503000000000000" pitchFamily="2" charset="0"/>
-              </a:rPr>
-              <a:t>&gt;&gt;</a:t>
-            </a:r>
-            <a:r>
-              <a:rPr lang="en-US" sz="800" b="1" dirty="0" smtClean="0">
-                <a:solidFill>
-                  <a:srgbClr val="FF8C52"/>
-                </a:solidFill>
-                <a:latin typeface="Oxygen" panose="02000503000000000000" pitchFamily="2" charset="0"/>
-              </a:rPr>
-              <a:t>       </a:t>
+              <a:t>&gt;&gt;       </a:t>
             </a:r>
             <a:r>
               <a:rPr lang="en-US" sz="800" b="1" dirty="0">
@@ -8034,18 +7989,7 @@
                 </a:solidFill>
                 <a:latin typeface="Oxygen" panose="02000503000000000000" pitchFamily="2" charset="0"/>
               </a:rPr>
-              <a:t>Grea</a:t>
-            </a:r>
-            <a:r>
-              <a:rPr lang="en-AU" sz="1200" dirty="0" smtClean="0">
-                <a:solidFill>
-                  <a:schemeClr val="bg2">
-                    <a:lumMod val="50000"/>
-                  </a:schemeClr>
-                </a:solidFill>
-                <a:latin typeface="Oxygen" panose="02000503000000000000" pitchFamily="2" charset="0"/>
-              </a:rPr>
-              <a:t>t </a:t>
+              <a:t>Great </a:t>
             </a:r>
             <a:r>
               <a:rPr lang="en-AU" sz="1200" dirty="0">
@@ -9562,14 +9506,20 @@
               <a:t>☎ </a:t>
             </a:r>
             <a:r>
-              <a:rPr lang="en-AU" sz="2000" b="1" dirty="0">
+              <a:rPr lang="en-AU" sz="2000" b="1" dirty="0" smtClean="0">
                 <a:solidFill>
                   <a:schemeClr val="bg1"/>
                 </a:solidFill>
                 <a:latin typeface="Oxygen" panose="02000503000000000000" pitchFamily="2" charset="0"/>
               </a:rPr>
-              <a:t>90072 29222</a:t>
-            </a:r>
+              <a:t>9073 700094</a:t>
+            </a:r>
+            <a:endParaRPr lang="en-AU" sz="2000" b="1" dirty="0">
+              <a:solidFill>
+                <a:schemeClr val="bg1"/>
+              </a:solidFill>
+              <a:latin typeface="Oxygen" panose="02000503000000000000" pitchFamily="2" charset="0"/>
+            </a:endParaRPr>
           </a:p>
         </p:txBody>
       </p:sp>
@@ -9835,16 +9785,7 @@
                 </a:solidFill>
                 <a:latin typeface="Oxygen" panose="02000503000000000000" pitchFamily="2" charset="0"/>
               </a:rPr>
-              <a:t>International Coaching Institute – </a:t>
-            </a:r>
-            <a:r>
-              <a:rPr lang="en-AU" sz="2800" b="1" dirty="0" smtClean="0">
-                <a:solidFill>
-                  <a:schemeClr val="bg1"/>
-                </a:solidFill>
-                <a:latin typeface="Oxygen" panose="02000503000000000000" pitchFamily="2" charset="0"/>
-              </a:rPr>
-              <a:t>Australia, India</a:t>
+              <a:t>International Coaching Institute – Australia, India</a:t>
             </a:r>
             <a:endParaRPr lang="en-AU" sz="2800" b="1" dirty="0">
               <a:solidFill>
@@ -10554,7 +10495,7 @@
           <a:p>
             <a:pPr algn="r"/>
             <a:r>
-              <a:rPr lang="en-AU" sz="2000" b="1" dirty="0" smtClean="0">
+              <a:rPr lang="en-AU" sz="2000" b="1" smtClean="0">
                 <a:solidFill>
                   <a:schemeClr val="bg1"/>
                 </a:solidFill>
@@ -10563,14 +10504,20 @@
               <a:t>☎ </a:t>
             </a:r>
             <a:r>
-              <a:rPr lang="en-AU" sz="2000" b="1" dirty="0">
+              <a:rPr lang="en-AU" sz="2000" b="1" smtClean="0">
                 <a:solidFill>
                   <a:schemeClr val="bg1"/>
                 </a:solidFill>
                 <a:latin typeface="Oxygen" panose="02000503000000000000" pitchFamily="2" charset="0"/>
               </a:rPr>
-              <a:t>90072 29222</a:t>
-            </a:r>
+              <a:t>9073 700094</a:t>
+            </a:r>
+            <a:endParaRPr lang="en-AU" sz="2000" b="1" dirty="0">
+              <a:solidFill>
+                <a:schemeClr val="bg1"/>
+              </a:solidFill>
+              <a:latin typeface="Oxygen" panose="02000503000000000000" pitchFamily="2" charset="0"/>
+            </a:endParaRPr>
           </a:p>
         </p:txBody>
       </p:sp>
@@ -10866,16 +10813,7 @@
                 </a:solidFill>
                 <a:latin typeface="Oxygen" panose="02000503000000000000" pitchFamily="2" charset="0"/>
               </a:rPr>
-              <a:t>International Coaching Institute – </a:t>
-            </a:r>
-            <a:r>
-              <a:rPr lang="en-AU" sz="2800" b="1" dirty="0" smtClean="0">
-                <a:solidFill>
-                  <a:schemeClr val="bg1"/>
-                </a:solidFill>
-                <a:latin typeface="Oxygen" panose="02000503000000000000" pitchFamily="2" charset="0"/>
-              </a:rPr>
-              <a:t>Australia, India</a:t>
+              <a:t>International Coaching Institute – Australia, India</a:t>
             </a:r>
             <a:endParaRPr lang="en-AU" sz="2800" b="1" dirty="0">
               <a:solidFill>
@@ -11617,14 +11555,20 @@
               <a:t>☎ </a:t>
             </a:r>
             <a:r>
-              <a:rPr lang="en-AU" sz="2000" b="1" dirty="0">
+              <a:rPr lang="en-AU" sz="2000" b="1" dirty="0" smtClean="0">
                 <a:solidFill>
                   <a:schemeClr val="bg1"/>
                 </a:solidFill>
                 <a:latin typeface="Oxygen" panose="02000503000000000000" pitchFamily="2" charset="0"/>
               </a:rPr>
-              <a:t>90072 29222</a:t>
-            </a:r>
+              <a:t>9073 700094</a:t>
+            </a:r>
+            <a:endParaRPr lang="en-AU" sz="2000" b="1" dirty="0">
+              <a:solidFill>
+                <a:schemeClr val="bg1"/>
+              </a:solidFill>
+              <a:latin typeface="Oxygen" panose="02000503000000000000" pitchFamily="2" charset="0"/>
+            </a:endParaRPr>
           </a:p>
         </p:txBody>
       </p:sp>
@@ -11793,7 +11737,16 @@
                 </a:solidFill>
                 <a:latin typeface="Oxygen" panose="02000503000000000000" pitchFamily="2" charset="0"/>
               </a:rPr>
-              <a:t>Regular Mock Tests    ||    </a:t>
+              <a:t>Regular Mock Tests    ||    Parent Teacher Meeting    ||    </a:t>
+            </a:r>
+            <a:r>
+              <a:rPr lang="en-AU" sz="1600" b="1" dirty="0">
+                <a:solidFill>
+                  <a:schemeClr val="bg1"/>
+                </a:solidFill>
+                <a:latin typeface="Oxygen" panose="02000503000000000000" pitchFamily="2" charset="0"/>
+              </a:rPr>
+              <a:t>360</a:t>
             </a:r>
             <a:r>
               <a:rPr lang="en-AU" sz="1600" b="1" dirty="0" smtClean="0">
@@ -11802,50 +11755,8 @@
                 </a:solidFill>
                 <a:latin typeface="Oxygen" panose="02000503000000000000" pitchFamily="2" charset="0"/>
               </a:rPr>
-              <a:t>Parent Teacher Meeting    </a:t>
-            </a:r>
-            <a:r>
-              <a:rPr lang="en-AU" sz="1600" b="1" dirty="0" smtClean="0">
-                <a:solidFill>
-                  <a:schemeClr val="bg1"/>
-                </a:solidFill>
-                <a:latin typeface="Oxygen" panose="02000503000000000000" pitchFamily="2" charset="0"/>
-              </a:rPr>
-              <a:t>||    </a:t>
-            </a:r>
-            <a:r>
-              <a:rPr lang="en-AU" sz="1600" b="1" dirty="0">
-                <a:solidFill>
-                  <a:schemeClr val="bg1"/>
-                </a:solidFill>
-                <a:latin typeface="Oxygen" panose="02000503000000000000" pitchFamily="2" charset="0"/>
-              </a:rPr>
-              <a:t>360</a:t>
-            </a:r>
-            <a:r>
-              <a:rPr lang="en-AU" sz="1600" b="1" dirty="0" smtClean="0">
-                <a:solidFill>
-                  <a:schemeClr val="bg1"/>
-                </a:solidFill>
-                <a:latin typeface="Oxygen" panose="02000503000000000000" pitchFamily="2" charset="0"/>
-              </a:rPr>
-              <a:t>° Feedback     ||     Student </a:t>
-            </a:r>
-            <a:r>
-              <a:rPr lang="en-AU" sz="1600" b="1" dirty="0" smtClean="0">
-                <a:solidFill>
-                  <a:schemeClr val="bg1"/>
-                </a:solidFill>
-                <a:latin typeface="Oxygen" panose="02000503000000000000" pitchFamily="2" charset="0"/>
-              </a:rPr>
-              <a:t>Counselling</a:t>
-            </a:r>
-            <a:endParaRPr lang="en-AU" sz="1600" b="1" dirty="0" smtClean="0">
-              <a:solidFill>
-                <a:schemeClr val="bg1"/>
-              </a:solidFill>
-              <a:latin typeface="Oxygen" panose="02000503000000000000" pitchFamily="2" charset="0"/>
-            </a:endParaRPr>
+              <a:t>° Feedback     ||     Student Counselling</a:t>
+            </a:r>
           </a:p>
           <a:p>
             <a:pPr algn="ctr">
@@ -11900,16 +11811,7 @@
                 </a:solidFill>
                 <a:latin typeface="Oxygen" panose="02000503000000000000" pitchFamily="2" charset="0"/>
               </a:rPr>
-              <a:t>International Coaching Institute – </a:t>
-            </a:r>
-            <a:r>
-              <a:rPr lang="en-AU" sz="2800" b="1" dirty="0" smtClean="0">
-                <a:solidFill>
-                  <a:schemeClr val="bg1"/>
-                </a:solidFill>
-                <a:latin typeface="Oxygen" panose="02000503000000000000" pitchFamily="2" charset="0"/>
-              </a:rPr>
-              <a:t>Australia, India</a:t>
+              <a:t>International Coaching Institute – Australia, India</a:t>
             </a:r>
             <a:endParaRPr lang="en-AU" sz="2800" b="1" dirty="0">
               <a:solidFill>
@@ -13363,25 +13265,7 @@
                 </a:solidFill>
                 <a:latin typeface="Oxygen" panose="02000503000000000000" pitchFamily="2" charset="0"/>
               </a:rPr>
-              <a:t>Best </a:t>
-            </a:r>
-            <a:r>
-              <a:rPr lang="en-AU" sz="2800" b="1" dirty="0" smtClean="0">
-                <a:solidFill>
-                  <a:schemeClr val="bg1"/>
-                </a:solidFill>
-                <a:latin typeface="Oxygen" panose="02000503000000000000" pitchFamily="2" charset="0"/>
-              </a:rPr>
-              <a:t>App </a:t>
-            </a:r>
-            <a:r>
-              <a:rPr lang="en-AU" sz="2800" b="1" dirty="0" smtClean="0">
-                <a:solidFill>
-                  <a:schemeClr val="bg1"/>
-                </a:solidFill>
-                <a:latin typeface="Oxygen" panose="02000503000000000000" pitchFamily="2" charset="0"/>
-              </a:rPr>
-              <a:t>for Students</a:t>
+              <a:t>Best App for Students</a:t>
             </a:r>
             <a:endParaRPr lang="en-AU" sz="2800" b="1" dirty="0">
               <a:solidFill>
@@ -14004,13 +13888,7 @@
               <a:rPr lang="en-AU" sz="2400" b="1" dirty="0" smtClean="0">
                 <a:latin typeface="Oxygen" panose="02000503000000000000" pitchFamily="2" charset="0"/>
               </a:rPr>
-              <a:t>Australia, </a:t>
-            </a:r>
-            <a:r>
-              <a:rPr lang="en-AU" sz="2400" b="1" dirty="0" smtClean="0">
-                <a:latin typeface="Oxygen" panose="02000503000000000000" pitchFamily="2" charset="0"/>
-              </a:rPr>
-              <a:t>India</a:t>
+              <a:t>Australia, India</a:t>
             </a:r>
             <a:endParaRPr lang="en-AU" sz="2400" b="1" dirty="0">
               <a:latin typeface="Oxygen" panose="02000503000000000000" pitchFamily="2" charset="0"/>
@@ -14027,7 +13905,7 @@
         <p:spPr>
           <a:xfrm>
             <a:off x="9327963" y="2393909"/>
-            <a:ext cx="2361544" cy="461665"/>
+            <a:ext cx="2464136" cy="461665"/>
           </a:xfrm>
           <a:prstGeom prst="rect">
             <a:avLst/>
@@ -14058,8 +13936,21 @@
                   <a:schemeClr val="tx1"/>
                 </a:solidFill>
               </a:rPr>
-              <a:t>☎ 90072 29222</a:t>
-            </a:r>
+              <a:t>☎ </a:t>
+            </a:r>
+            <a:r>
+              <a:rPr lang="en-AU" sz="2400" dirty="0" smtClean="0">
+                <a:solidFill>
+                  <a:schemeClr val="tx1"/>
+                </a:solidFill>
+              </a:rPr>
+              <a:t>9073 700094</a:t>
+            </a:r>
+            <a:endParaRPr lang="en-AU" sz="2400" dirty="0">
+              <a:solidFill>
+                <a:schemeClr val="tx1"/>
+              </a:solidFill>
+            </a:endParaRPr>
           </a:p>
         </p:txBody>
       </p:sp>
@@ -14691,31 +14582,7 @@
                 <a:latin typeface="Oxygen" panose="02000503000000000000" pitchFamily="2" charset="0"/>
                 <a:cs typeface="Arial" panose="020B0604020202020204" pitchFamily="34" charset="0"/>
               </a:rPr>
-              <a:t>rint on Gel Pen </a:t>
-            </a:r>
-            <a:r>
-              <a:rPr lang="en-AU" b="1" dirty="0" smtClean="0">
-                <a:solidFill>
-                  <a:schemeClr val="bg2">
-                    <a:lumMod val="75000"/>
-                  </a:schemeClr>
-                </a:solidFill>
-                <a:latin typeface="Oxygen" panose="02000503000000000000" pitchFamily="2" charset="0"/>
-                <a:cs typeface="Arial" panose="020B0604020202020204" pitchFamily="34" charset="0"/>
-              </a:rPr>
-              <a:t>Free Merchandise </a:t>
-            </a:r>
-            <a:r>
-              <a:rPr lang="en-AU" b="1" dirty="0" smtClean="0">
-                <a:solidFill>
-                  <a:schemeClr val="bg2">
-                    <a:lumMod val="75000"/>
-                  </a:schemeClr>
-                </a:solidFill>
-                <a:latin typeface="Oxygen" panose="02000503000000000000" pitchFamily="2" charset="0"/>
-                <a:cs typeface="Arial" panose="020B0604020202020204" pitchFamily="34" charset="0"/>
-              </a:rPr>
-              <a:t>for Marketing</a:t>
+              <a:t>rint on Gel Pen Free Merchandise for Marketing</a:t>
             </a:r>
             <a:endParaRPr lang="en-AU" b="1" dirty="0">
               <a:solidFill>
@@ -14810,7 +14677,16 @@
                 </a:solidFill>
                 <a:latin typeface="Oxygen" panose="02000503000000000000" pitchFamily="2" charset="0"/>
               </a:rPr>
-              <a:t>&gt;&gt;</a:t>
+              <a:t>&gt;&gt;      </a:t>
+            </a:r>
+            <a:r>
+              <a:rPr lang="en-US" sz="800" b="1" dirty="0">
+                <a:solidFill>
+                  <a:srgbClr val="FF8C52"/>
+                </a:solidFill>
+                <a:latin typeface="Oxygen" panose="02000503000000000000" pitchFamily="2" charset="0"/>
+              </a:rPr>
+              <a:t>PRACTICE        </a:t>
             </a:r>
             <a:r>
               <a:rPr lang="en-US" sz="800" b="1" dirty="0" smtClean="0">
@@ -14819,7 +14695,7 @@
                 </a:solidFill>
                 <a:latin typeface="Oxygen" panose="02000503000000000000" pitchFamily="2" charset="0"/>
               </a:rPr>
-              <a:t>      </a:t>
+              <a:t>&gt;&gt;        </a:t>
             </a:r>
             <a:r>
               <a:rPr lang="en-US" sz="800" b="1" dirty="0">
@@ -14828,7 +14704,7 @@
                 </a:solidFill>
                 <a:latin typeface="Oxygen" panose="02000503000000000000" pitchFamily="2" charset="0"/>
               </a:rPr>
-              <a:t>PRACTICE        </a:t>
+              <a:t>CONFIDENCE      </a:t>
             </a:r>
             <a:r>
               <a:rPr lang="en-US" sz="800" b="1" dirty="0" smtClean="0">
@@ -14837,43 +14713,7 @@
                 </a:solidFill>
                 <a:latin typeface="Oxygen" panose="02000503000000000000" pitchFamily="2" charset="0"/>
               </a:rPr>
-              <a:t>&gt;&gt;</a:t>
-            </a:r>
-            <a:r>
-              <a:rPr lang="en-US" sz="800" b="1" dirty="0" smtClean="0">
-                <a:solidFill>
-                  <a:srgbClr val="FF8C52"/>
-                </a:solidFill>
-                <a:latin typeface="Oxygen" panose="02000503000000000000" pitchFamily="2" charset="0"/>
-              </a:rPr>
-              <a:t>        </a:t>
-            </a:r>
-            <a:r>
-              <a:rPr lang="en-US" sz="800" b="1" dirty="0">
-                <a:solidFill>
-                  <a:srgbClr val="FF8C52"/>
-                </a:solidFill>
-                <a:latin typeface="Oxygen" panose="02000503000000000000" pitchFamily="2" charset="0"/>
-              </a:rPr>
-              <a:t>CONFIDENCE      </a:t>
-            </a:r>
-            <a:r>
-              <a:rPr lang="en-US" sz="800" b="1" dirty="0" smtClean="0">
-                <a:solidFill>
-                  <a:srgbClr val="FF8C52"/>
-                </a:solidFill>
-                <a:latin typeface="Oxygen" panose="02000503000000000000" pitchFamily="2" charset="0"/>
-              </a:rPr>
-              <a:t>&gt;&gt;</a:t>
-            </a:r>
-            <a:r>
-              <a:rPr lang="en-US" sz="800" b="1" dirty="0" smtClean="0">
-                <a:solidFill>
-                  <a:srgbClr val="FF8C52"/>
-                </a:solidFill>
-                <a:latin typeface="Oxygen" panose="02000503000000000000" pitchFamily="2" charset="0"/>
-              </a:rPr>
-              <a:t>       </a:t>
+              <a:t>&gt;&gt;       </a:t>
             </a:r>
             <a:r>
               <a:rPr lang="en-US" sz="800" b="1" dirty="0">

--- a/Offline/AnodiamOfflineIdea.pptx
+++ b/Offline/AnodiamOfflineIdea.pptx
@@ -252,7 +252,7 @@
           <a:p>
             <a:fld id="{6C99A312-3916-48C2-B0D2-2FD7FE9477F2}" type="datetimeFigureOut">
               <a:rPr lang="en-AU" smtClean="0"/>
-              <a:t>1/05/2023</a:t>
+              <a:t>18/05/2023</a:t>
             </a:fld>
             <a:endParaRPr lang="en-AU"/>
           </a:p>
@@ -422,7 +422,7 @@
           <a:p>
             <a:fld id="{6C99A312-3916-48C2-B0D2-2FD7FE9477F2}" type="datetimeFigureOut">
               <a:rPr lang="en-AU" smtClean="0"/>
-              <a:t>1/05/2023</a:t>
+              <a:t>18/05/2023</a:t>
             </a:fld>
             <a:endParaRPr lang="en-AU"/>
           </a:p>
@@ -602,7 +602,7 @@
           <a:p>
             <a:fld id="{6C99A312-3916-48C2-B0D2-2FD7FE9477F2}" type="datetimeFigureOut">
               <a:rPr lang="en-AU" smtClean="0"/>
-              <a:t>1/05/2023</a:t>
+              <a:t>18/05/2023</a:t>
             </a:fld>
             <a:endParaRPr lang="en-AU"/>
           </a:p>
@@ -772,7 +772,7 @@
           <a:p>
             <a:fld id="{6C99A312-3916-48C2-B0D2-2FD7FE9477F2}" type="datetimeFigureOut">
               <a:rPr lang="en-AU" smtClean="0"/>
-              <a:t>1/05/2023</a:t>
+              <a:t>18/05/2023</a:t>
             </a:fld>
             <a:endParaRPr lang="en-AU"/>
           </a:p>
@@ -1018,7 +1018,7 @@
           <a:p>
             <a:fld id="{6C99A312-3916-48C2-B0D2-2FD7FE9477F2}" type="datetimeFigureOut">
               <a:rPr lang="en-AU" smtClean="0"/>
-              <a:t>1/05/2023</a:t>
+              <a:t>18/05/2023</a:t>
             </a:fld>
             <a:endParaRPr lang="en-AU"/>
           </a:p>
@@ -1250,7 +1250,7 @@
           <a:p>
             <a:fld id="{6C99A312-3916-48C2-B0D2-2FD7FE9477F2}" type="datetimeFigureOut">
               <a:rPr lang="en-AU" smtClean="0"/>
-              <a:t>1/05/2023</a:t>
+              <a:t>18/05/2023</a:t>
             </a:fld>
             <a:endParaRPr lang="en-AU"/>
           </a:p>
@@ -1617,7 +1617,7 @@
           <a:p>
             <a:fld id="{6C99A312-3916-48C2-B0D2-2FD7FE9477F2}" type="datetimeFigureOut">
               <a:rPr lang="en-AU" smtClean="0"/>
-              <a:t>1/05/2023</a:t>
+              <a:t>18/05/2023</a:t>
             </a:fld>
             <a:endParaRPr lang="en-AU"/>
           </a:p>
@@ -1735,7 +1735,7 @@
           <a:p>
             <a:fld id="{6C99A312-3916-48C2-B0D2-2FD7FE9477F2}" type="datetimeFigureOut">
               <a:rPr lang="en-AU" smtClean="0"/>
-              <a:t>1/05/2023</a:t>
+              <a:t>18/05/2023</a:t>
             </a:fld>
             <a:endParaRPr lang="en-AU"/>
           </a:p>
@@ -1830,7 +1830,7 @@
           <a:p>
             <a:fld id="{6C99A312-3916-48C2-B0D2-2FD7FE9477F2}" type="datetimeFigureOut">
               <a:rPr lang="en-AU" smtClean="0"/>
-              <a:t>1/05/2023</a:t>
+              <a:t>18/05/2023</a:t>
             </a:fld>
             <a:endParaRPr lang="en-AU"/>
           </a:p>
@@ -2107,7 +2107,7 @@
           <a:p>
             <a:fld id="{6C99A312-3916-48C2-B0D2-2FD7FE9477F2}" type="datetimeFigureOut">
               <a:rPr lang="en-AU" smtClean="0"/>
-              <a:t>1/05/2023</a:t>
+              <a:t>18/05/2023</a:t>
             </a:fld>
             <a:endParaRPr lang="en-AU"/>
           </a:p>
@@ -2360,7 +2360,7 @@
           <a:p>
             <a:fld id="{6C99A312-3916-48C2-B0D2-2FD7FE9477F2}" type="datetimeFigureOut">
               <a:rPr lang="en-AU" smtClean="0"/>
-              <a:t>1/05/2023</a:t>
+              <a:t>18/05/2023</a:t>
             </a:fld>
             <a:endParaRPr lang="en-AU"/>
           </a:p>
@@ -2573,7 +2573,7 @@
           <a:p>
             <a:fld id="{6C99A312-3916-48C2-B0D2-2FD7FE9477F2}" type="datetimeFigureOut">
               <a:rPr lang="en-AU" smtClean="0"/>
-              <a:t>1/05/2023</a:t>
+              <a:t>18/05/2023</a:t>
             </a:fld>
             <a:endParaRPr lang="en-AU"/>
           </a:p>
@@ -5787,7 +5787,7 @@
           <p:cNvPr id="5" name="Picture 4">
             <a:extLst>
               <a:ext uri="{FF2B5EF4-FFF2-40B4-BE49-F238E27FC236}">
-                <a16:creationId xmlns:a16="http://schemas.microsoft.com/office/drawing/2014/main" id="{0448A149-205F-4DB7-BA16-50372BB73B10}"/>
+                <a16:creationId xmlns:a16="http://schemas.microsoft.com/office/drawing/2014/main" xmlns="" id="{0448A149-205F-4DB7-BA16-50372BB73B10}"/>
               </a:ext>
             </a:extLst>
           </p:cNvPr>
@@ -5817,7 +5817,7 @@
           <p:cNvPr id="6" name="Rectangle 5">
             <a:extLst>
               <a:ext uri="{FF2B5EF4-FFF2-40B4-BE49-F238E27FC236}">
-                <a16:creationId xmlns:a16="http://schemas.microsoft.com/office/drawing/2014/main" id="{A5BEDB47-6359-4DD1-B8DE-D133C69D75FC}"/>
+                <a16:creationId xmlns:a16="http://schemas.microsoft.com/office/drawing/2014/main" xmlns="" id="{A5BEDB47-6359-4DD1-B8DE-D133C69D75FC}"/>
               </a:ext>
             </a:extLst>
           </p:cNvPr>
@@ -5869,7 +5869,7 @@
           <p:cNvPr id="8" name="Oval 7">
             <a:extLst>
               <a:ext uri="{FF2B5EF4-FFF2-40B4-BE49-F238E27FC236}">
-                <a16:creationId xmlns:a16="http://schemas.microsoft.com/office/drawing/2014/main" id="{4AB62977-BF2B-4691-8B76-A15E94FF0A2A}"/>
+                <a16:creationId xmlns:a16="http://schemas.microsoft.com/office/drawing/2014/main" xmlns="" id="{4AB62977-BF2B-4691-8B76-A15E94FF0A2A}"/>
               </a:ext>
             </a:extLst>
           </p:cNvPr>
@@ -5921,7 +5921,7 @@
           <p:cNvPr id="7" name="Freeform: Shape 6">
             <a:extLst>
               <a:ext uri="{FF2B5EF4-FFF2-40B4-BE49-F238E27FC236}">
-                <a16:creationId xmlns:a16="http://schemas.microsoft.com/office/drawing/2014/main" id="{AA57FFD2-2E83-4978-98E7-ACFA6BA206E0}"/>
+                <a16:creationId xmlns:a16="http://schemas.microsoft.com/office/drawing/2014/main" xmlns="" id="{AA57FFD2-2E83-4978-98E7-ACFA6BA206E0}"/>
               </a:ext>
             </a:extLst>
           </p:cNvPr>
@@ -21542,7 +21542,7 @@
           <p:cNvPr id="5" name="Rectangle 4">
             <a:extLst>
               <a:ext uri="{FF2B5EF4-FFF2-40B4-BE49-F238E27FC236}">
-                <a16:creationId xmlns:a16="http://schemas.microsoft.com/office/drawing/2014/main" id="{7592B79F-26FA-4917-A53B-CB6FF26821A2}"/>
+                <a16:creationId xmlns:a16="http://schemas.microsoft.com/office/drawing/2014/main" xmlns="" id="{7592B79F-26FA-4917-A53B-CB6FF26821A2}"/>
               </a:ext>
             </a:extLst>
           </p:cNvPr>
@@ -21594,7 +21594,7 @@
           <p:cNvPr id="15" name="Rectangle 14">
             <a:extLst>
               <a:ext uri="{FF2B5EF4-FFF2-40B4-BE49-F238E27FC236}">
-                <a16:creationId xmlns:a16="http://schemas.microsoft.com/office/drawing/2014/main" id="{51D26925-C519-4A5B-BA93-9A764569F652}"/>
+                <a16:creationId xmlns:a16="http://schemas.microsoft.com/office/drawing/2014/main" xmlns="" id="{51D26925-C519-4A5B-BA93-9A764569F652}"/>
               </a:ext>
             </a:extLst>
           </p:cNvPr>
@@ -21654,7 +21654,7 @@
           <p:cNvPr id="21" name="TextBox 20">
             <a:extLst>
               <a:ext uri="{FF2B5EF4-FFF2-40B4-BE49-F238E27FC236}">
-                <a16:creationId xmlns:a16="http://schemas.microsoft.com/office/drawing/2014/main" id="{04C7DAED-CEF7-48EE-987F-208531DED18C}"/>
+                <a16:creationId xmlns:a16="http://schemas.microsoft.com/office/drawing/2014/main" xmlns="" id="{04C7DAED-CEF7-48EE-987F-208531DED18C}"/>
               </a:ext>
             </a:extLst>
           </p:cNvPr>
@@ -21697,7 +21697,7 @@
           <p:cNvPr id="22" name="Freeform 29">
             <a:extLst>
               <a:ext uri="{FF2B5EF4-FFF2-40B4-BE49-F238E27FC236}">
-                <a16:creationId xmlns:a16="http://schemas.microsoft.com/office/drawing/2014/main" id="{C017BBBF-41CD-401F-9D2C-E32875DCCC8C}"/>
+                <a16:creationId xmlns:a16="http://schemas.microsoft.com/office/drawing/2014/main" xmlns="" id="{C017BBBF-41CD-401F-9D2C-E32875DCCC8C}"/>
               </a:ext>
             </a:extLst>
           </p:cNvPr>
@@ -22112,7 +22112,7 @@
           <p:cNvPr id="25" name="TextBox 24">
             <a:extLst>
               <a:ext uri="{FF2B5EF4-FFF2-40B4-BE49-F238E27FC236}">
-                <a16:creationId xmlns:a16="http://schemas.microsoft.com/office/drawing/2014/main" id="{8BAFF893-8830-4D7D-9967-19C5E1177DAC}"/>
+                <a16:creationId xmlns:a16="http://schemas.microsoft.com/office/drawing/2014/main" xmlns="" id="{8BAFF893-8830-4D7D-9967-19C5E1177DAC}"/>
               </a:ext>
             </a:extLst>
           </p:cNvPr>
@@ -22155,7 +22155,7 @@
           <p:cNvPr id="6" name="TextBox 5">
             <a:extLst>
               <a:ext uri="{FF2B5EF4-FFF2-40B4-BE49-F238E27FC236}">
-                <a16:creationId xmlns:a16="http://schemas.microsoft.com/office/drawing/2014/main" id="{3169F394-4903-42AB-AA2B-528B64B3B4CC}"/>
+                <a16:creationId xmlns:a16="http://schemas.microsoft.com/office/drawing/2014/main" xmlns="" id="{3169F394-4903-42AB-AA2B-528B64B3B4CC}"/>
               </a:ext>
             </a:extLst>
           </p:cNvPr>
@@ -22198,7 +22198,7 @@
           <p:cNvPr id="30" name="Rectangle 29">
             <a:extLst>
               <a:ext uri="{FF2B5EF4-FFF2-40B4-BE49-F238E27FC236}">
-                <a16:creationId xmlns:a16="http://schemas.microsoft.com/office/drawing/2014/main" id="{5A17B9BF-1FCC-4BA2-8910-FE4173E69E89}"/>
+                <a16:creationId xmlns:a16="http://schemas.microsoft.com/office/drawing/2014/main" xmlns="" id="{5A17B9BF-1FCC-4BA2-8910-FE4173E69E89}"/>
               </a:ext>
             </a:extLst>
           </p:cNvPr>
@@ -22250,7 +22250,7 @@
           <p:cNvPr id="31" name="Freeform 29">
             <a:extLst>
               <a:ext uri="{FF2B5EF4-FFF2-40B4-BE49-F238E27FC236}">
-                <a16:creationId xmlns:a16="http://schemas.microsoft.com/office/drawing/2014/main" id="{27E97E66-5A50-4372-A41A-1799259B7D33}"/>
+                <a16:creationId xmlns:a16="http://schemas.microsoft.com/office/drawing/2014/main" xmlns="" id="{27E97E66-5A50-4372-A41A-1799259B7D33}"/>
               </a:ext>
             </a:extLst>
           </p:cNvPr>
@@ -22665,7 +22665,7 @@
           <p:cNvPr id="32" name="TextBox 31">
             <a:extLst>
               <a:ext uri="{FF2B5EF4-FFF2-40B4-BE49-F238E27FC236}">
-                <a16:creationId xmlns:a16="http://schemas.microsoft.com/office/drawing/2014/main" id="{E952E655-E60E-4AFA-B64E-25FCB8F6BFD4}"/>
+                <a16:creationId xmlns:a16="http://schemas.microsoft.com/office/drawing/2014/main" xmlns="" id="{E952E655-E60E-4AFA-B64E-25FCB8F6BFD4}"/>
               </a:ext>
             </a:extLst>
           </p:cNvPr>
@@ -22708,7 +22708,7 @@
           <p:cNvPr id="33" name="TextBox 32">
             <a:extLst>
               <a:ext uri="{FF2B5EF4-FFF2-40B4-BE49-F238E27FC236}">
-                <a16:creationId xmlns:a16="http://schemas.microsoft.com/office/drawing/2014/main" id="{EAFBA4D3-4B87-4F17-8937-24B89DFEEBE9}"/>
+                <a16:creationId xmlns:a16="http://schemas.microsoft.com/office/drawing/2014/main" xmlns="" id="{EAFBA4D3-4B87-4F17-8937-24B89DFEEBE9}"/>
               </a:ext>
             </a:extLst>
           </p:cNvPr>
@@ -22787,7 +22787,7 @@
           <p:cNvPr id="27" name="Freeform: Shape 26">
             <a:extLst>
               <a:ext uri="{FF2B5EF4-FFF2-40B4-BE49-F238E27FC236}">
-                <a16:creationId xmlns:a16="http://schemas.microsoft.com/office/drawing/2014/main" id="{567CC9D9-C264-4D2E-89A3-D0A3F8F30A16}"/>
+                <a16:creationId xmlns:a16="http://schemas.microsoft.com/office/drawing/2014/main" xmlns="" id="{567CC9D9-C264-4D2E-89A3-D0A3F8F30A16}"/>
               </a:ext>
             </a:extLst>
           </p:cNvPr>
